--- a/hanamoto/test２.pptx
+++ b/hanamoto/test２.pptx
@@ -4637,8 +4637,8 @@
         </p:nvSpPr>
         <p:spPr>
           <a:xfrm>
-            <a:off x="5416731" y="0"/>
-            <a:ext cx="6775269" cy="7437120"/>
+            <a:off x="1" y="0"/>
+            <a:ext cx="12192000" cy="7437120"/>
           </a:xfrm>
           <a:prstGeom prst="rect">
             <a:avLst/>
@@ -4665,246 +4665,668 @@
           <a:lstStyle/>
           <a:p>
             <a:r>
+              <a:rPr kumimoji="1" lang="en-US" altLang="ja-JP" sz="1600" dirty="0"/>
+              <a:t>※</a:t>
+            </a:r>
+            <a:r>
+              <a:rPr kumimoji="1" lang="ja-JP" altLang="en-US" sz="1600" dirty="0"/>
+              <a:t>順立装置を展開したいに一致しているか</a:t>
+            </a:r>
+            <a:endParaRPr kumimoji="1" lang="en-US" altLang="ja-JP" sz="1600" dirty="0"/>
+          </a:p>
+          <a:p>
+            <a:endParaRPr lang="en-US" altLang="ja-JP" sz="1600" dirty="0"/>
+          </a:p>
+          <a:p>
+            <a:r>
+              <a:rPr kumimoji="1" lang="ja-JP" altLang="en-US" sz="1600" dirty="0"/>
+              <a:t>➀在庫の過多が見えているので、在庫の過多を無くしたい。</a:t>
+            </a:r>
+            <a:endParaRPr kumimoji="1" lang="en-US" altLang="ja-JP" sz="1600" dirty="0"/>
+          </a:p>
+          <a:p>
+            <a:r>
+              <a:rPr lang="ja-JP" altLang="en-US" sz="1600" dirty="0"/>
+              <a:t>➁在庫の過多の中でも</a:t>
+            </a:r>
+            <a:r>
+              <a:rPr kumimoji="1" lang="ja-JP" altLang="en-US" sz="1600" dirty="0"/>
+              <a:t>数字上過多に見ている過多がある</a:t>
+            </a:r>
+            <a:endParaRPr kumimoji="1" lang="en-US" altLang="ja-JP" sz="1600" dirty="0"/>
+          </a:p>
+          <a:p>
+            <a:r>
+              <a:rPr lang="ja-JP" altLang="en-US" sz="1600" dirty="0"/>
+              <a:t>　</a:t>
+            </a:r>
+            <a:r>
+              <a:rPr lang="en-US" altLang="ja-JP" sz="1600" dirty="0"/>
+              <a:t>A.</a:t>
+            </a:r>
+            <a:r>
+              <a:rPr kumimoji="1" lang="ja-JP" altLang="en-US" sz="1600" dirty="0"/>
+              <a:t>必要な過多は許容したい</a:t>
+            </a:r>
+            <a:endParaRPr kumimoji="1" lang="en-US" altLang="ja-JP" sz="1600" dirty="0"/>
+          </a:p>
+          <a:p>
+            <a:r>
+              <a:rPr lang="ja-JP" altLang="en-US" sz="1600" dirty="0"/>
+              <a:t>　　変動要因が大きくて在庫を持って行かないといけないもの</a:t>
+            </a:r>
+            <a:endParaRPr lang="en-US" altLang="ja-JP" sz="1600" dirty="0"/>
+          </a:p>
+          <a:p>
+            <a:r>
+              <a:rPr kumimoji="1" lang="ja-JP" altLang="en-US" sz="1600" dirty="0"/>
+              <a:t>　　在庫の変動が激しいもの</a:t>
+            </a:r>
+            <a:endParaRPr kumimoji="1" lang="en-US" altLang="ja-JP" sz="1600" dirty="0"/>
+          </a:p>
+          <a:p>
+            <a:r>
+              <a:rPr kumimoji="1" lang="ja-JP" altLang="en-US" sz="1600" dirty="0"/>
+              <a:t>　　例えば</a:t>
+            </a:r>
+            <a:endParaRPr kumimoji="1" lang="en-US" altLang="ja-JP" sz="1600" dirty="0"/>
+          </a:p>
+          <a:p>
+            <a:r>
+              <a:rPr lang="ja-JP" altLang="en-US" sz="1600" dirty="0"/>
+              <a:t>　</a:t>
+            </a:r>
+            <a:r>
+              <a:rPr kumimoji="1" lang="ja-JP" altLang="en-US" sz="1600" dirty="0"/>
+              <a:t>　・トラックがダイヤ通りこないことによる変動</a:t>
+            </a:r>
+            <a:r>
+              <a:rPr lang="ja-JP" altLang="en-US" sz="1600" dirty="0"/>
+              <a:t>　</a:t>
+            </a:r>
+            <a:endParaRPr kumimoji="1" lang="en-US" altLang="ja-JP" sz="1600" dirty="0"/>
+          </a:p>
+          <a:p>
+            <a:r>
+              <a:rPr lang="ja-JP" altLang="en-US" sz="1600" dirty="0"/>
+              <a:t>　</a:t>
+            </a:r>
+            <a:r>
+              <a:rPr lang="en-US" altLang="ja-JP" sz="1600" dirty="0"/>
+              <a:t>B.</a:t>
+            </a:r>
+            <a:r>
+              <a:rPr lang="ja-JP" altLang="en-US" sz="1600" dirty="0"/>
+              <a:t>必要なじゃない過多は是正したい</a:t>
+            </a:r>
+            <a:endParaRPr kumimoji="1" lang="en-US" altLang="ja-JP" sz="1600" dirty="0"/>
+          </a:p>
+          <a:p>
+            <a:r>
+              <a:rPr lang="ja-JP" altLang="en-US" sz="1600" dirty="0"/>
+              <a:t>③どっちもやるために在庫の過多の要因を調べる</a:t>
+            </a:r>
+            <a:endParaRPr lang="en-US" altLang="ja-JP" sz="1600" dirty="0"/>
+          </a:p>
+          <a:p>
+            <a:r>
+              <a:rPr lang="ja-JP" altLang="en-US" sz="1600" dirty="0"/>
+              <a:t>　ベイジアンネットワークでヒント（</a:t>
+            </a:r>
+            <a:r>
+              <a:rPr lang="en-US" altLang="ja-JP" sz="1600" dirty="0"/>
+              <a:t>A</a:t>
+            </a:r>
+            <a:r>
+              <a:rPr lang="ja-JP" altLang="en-US" sz="1600" dirty="0"/>
+              <a:t>や</a:t>
+            </a:r>
+            <a:r>
+              <a:rPr lang="en-US" altLang="ja-JP" sz="1600" dirty="0"/>
+              <a:t>B</a:t>
+            </a:r>
+            <a:r>
+              <a:rPr lang="ja-JP" altLang="en-US" sz="1600" dirty="0"/>
+              <a:t>を分けるような、基準づくりの役に立つような）を得る</a:t>
+            </a:r>
+            <a:endParaRPr lang="en-US" altLang="ja-JP" sz="1600" dirty="0"/>
+          </a:p>
+          <a:p>
+            <a:r>
+              <a:rPr lang="ja-JP" altLang="en-US" sz="1600" dirty="0"/>
+              <a:t>　ネットワークとは別で欠品リスクを定義し、</a:t>
+            </a:r>
+            <a:endParaRPr lang="en-US" altLang="ja-JP" sz="1600" dirty="0"/>
+          </a:p>
+          <a:p>
+            <a:r>
+              <a:rPr lang="ja-JP" altLang="en-US" sz="1600" dirty="0"/>
+              <a:t>　在庫過多の品番を把握する</a:t>
+            </a:r>
+            <a:endParaRPr lang="en-US" altLang="ja-JP" sz="1600" dirty="0"/>
+          </a:p>
+          <a:p>
+            <a:r>
+              <a:rPr lang="ja-JP" altLang="en-US" sz="1600" dirty="0"/>
+              <a:t>　</a:t>
+            </a:r>
+            <a:r>
+              <a:rPr lang="en-US" altLang="ja-JP" sz="1600" dirty="0"/>
+              <a:t>A.</a:t>
+            </a:r>
+            <a:r>
+              <a:rPr kumimoji="1" lang="ja-JP" altLang="en-US" sz="1600" dirty="0"/>
+              <a:t>過多を許容するために基準を変えたい</a:t>
+            </a:r>
+            <a:endParaRPr kumimoji="1" lang="en-US" altLang="ja-JP" sz="1600" dirty="0"/>
+          </a:p>
+          <a:p>
+            <a:r>
+              <a:rPr lang="ja-JP" altLang="en-US" sz="1600" dirty="0"/>
+              <a:t>　　欠品リスクが高くて在庫過多の品番</a:t>
+            </a:r>
+            <a:endParaRPr lang="en-US" altLang="ja-JP" sz="1600" dirty="0"/>
+          </a:p>
+          <a:p>
+            <a:r>
+              <a:rPr kumimoji="1" lang="ja-JP" altLang="en-US" sz="1600" dirty="0"/>
+              <a:t>　　→　問題ない</a:t>
+            </a:r>
+            <a:endParaRPr kumimoji="1" lang="en-US" altLang="ja-JP" sz="1600" dirty="0"/>
+          </a:p>
+          <a:p>
+            <a:r>
+              <a:rPr lang="en-US" altLang="ja-JP" sz="1600" dirty="0"/>
+              <a:t>    B.</a:t>
+            </a:r>
+            <a:r>
+              <a:rPr lang="ja-JP" altLang="en-US" sz="1600" dirty="0"/>
+              <a:t>理由を明確にして手立てを考えたい</a:t>
+            </a:r>
+            <a:endParaRPr lang="en-US" altLang="ja-JP" sz="1600" dirty="0"/>
+          </a:p>
+          <a:p>
+            <a:r>
+              <a:rPr lang="ja-JP" altLang="en-US" sz="1600" dirty="0"/>
+              <a:t>　　欠品リスクが低くいて在庫過多の品番</a:t>
+            </a:r>
+            <a:endParaRPr lang="en-US" altLang="ja-JP" sz="1600" dirty="0"/>
+          </a:p>
+          <a:p>
+            <a:r>
+              <a:rPr lang="ja-JP" altLang="en-US" sz="1600" dirty="0"/>
+              <a:t>　　→　是正していく</a:t>
+            </a:r>
+            <a:endParaRPr lang="en-US" altLang="ja-JP" sz="1600" dirty="0"/>
+          </a:p>
+          <a:p>
+            <a:r>
+              <a:rPr kumimoji="1" lang="ja-JP" altLang="en-US" sz="1600" dirty="0"/>
+              <a:t>➃</a:t>
+            </a:r>
+            <a:endParaRPr kumimoji="1" lang="en-US" altLang="ja-JP" sz="1600" dirty="0"/>
+          </a:p>
+          <a:p>
+            <a:r>
+              <a:rPr lang="ja-JP" altLang="en-US" sz="1600" dirty="0"/>
+              <a:t>　</a:t>
+            </a:r>
+            <a:r>
+              <a:rPr kumimoji="1" lang="en-US" altLang="ja-JP" sz="1600" dirty="0"/>
+              <a:t>A.</a:t>
+            </a:r>
+            <a:r>
+              <a:rPr lang="ja-JP" altLang="en-US" sz="1600" dirty="0"/>
+              <a:t>在庫過多の基準を変えたほうがいい</a:t>
+            </a:r>
+            <a:endParaRPr lang="en-US" altLang="ja-JP" sz="1600" dirty="0"/>
+          </a:p>
+          <a:p>
+            <a:r>
+              <a:rPr lang="ja-JP" altLang="en-US" sz="1600" dirty="0"/>
+              <a:t>　（基準：基準在庫日数＋○など、かんばんの計算には反映しない）</a:t>
+            </a:r>
+            <a:endParaRPr kumimoji="1" lang="en-US" altLang="ja-JP" sz="1600" dirty="0"/>
+          </a:p>
+          <a:p>
+            <a:r>
+              <a:rPr kumimoji="1" lang="en-US" altLang="ja-JP" sz="1600" dirty="0"/>
+              <a:t>    B.</a:t>
+            </a:r>
+            <a:r>
+              <a:rPr kumimoji="1" lang="ja-JP" altLang="en-US" sz="1600" dirty="0"/>
+              <a:t>かんばん計算の基準を変える</a:t>
+            </a:r>
+            <a:endParaRPr kumimoji="1" lang="en-US" altLang="ja-JP" sz="1600" dirty="0"/>
+          </a:p>
+          <a:p>
+            <a:endParaRPr lang="en-US" altLang="ja-JP" sz="1600" dirty="0"/>
+          </a:p>
+          <a:p>
+            <a:r>
+              <a:rPr kumimoji="1" lang="ja-JP" altLang="en-US" sz="1600" dirty="0"/>
+              <a:t>⑤：➃で展開する下準備ができる（これが正しい姿ですと言う</a:t>
+            </a:r>
+            <a:endParaRPr kumimoji="1" lang="en-US" altLang="ja-JP" sz="1600" dirty="0"/>
+          </a:p>
+        </p:txBody>
+      </p:sp>
+      <p:sp>
+        <p:nvSpPr>
+          <p:cNvPr id="5" name="正方形/長方形 4">
+            <a:extLst>
+              <a:ext uri="{FF2B5EF4-FFF2-40B4-BE49-F238E27FC236}">
+                <a16:creationId xmlns:a16="http://schemas.microsoft.com/office/drawing/2014/main" id="{C20CC5C9-F96B-489E-8543-6C3877CE7BD6}"/>
+              </a:ext>
+            </a:extLst>
+          </p:cNvPr>
+          <p:cNvSpPr/>
+          <p:nvPr/>
+        </p:nvSpPr>
+        <p:spPr>
+          <a:xfrm>
+            <a:off x="6065519" y="0"/>
+            <a:ext cx="6126480" cy="7437120"/>
+          </a:xfrm>
+          <a:prstGeom prst="rect">
+            <a:avLst/>
+          </a:prstGeom>
+          <a:solidFill>
+            <a:schemeClr val="accent2"/>
+          </a:solidFill>
+        </p:spPr>
+        <p:style>
+          <a:lnRef idx="2">
+            <a:schemeClr val="accent1">
+              <a:shade val="50000"/>
+            </a:schemeClr>
+          </a:lnRef>
+          <a:fillRef idx="1">
+            <a:schemeClr val="accent1"/>
+          </a:fillRef>
+          <a:effectRef idx="0">
+            <a:schemeClr val="accent1"/>
+          </a:effectRef>
+          <a:fontRef idx="minor">
+            <a:schemeClr val="lt1"/>
+          </a:fontRef>
+        </p:style>
+        <p:txBody>
+          <a:bodyPr rtlCol="0" anchor="ctr"/>
+          <a:lstStyle/>
+          <a:p>
+            <a:endParaRPr lang="en-US" altLang="ja-JP" b="1" dirty="0"/>
+          </a:p>
+          <a:p>
+            <a:r>
+              <a:rPr kumimoji="1" lang="ja-JP" altLang="en-US" b="1" dirty="0"/>
+              <a:t>■現状</a:t>
+            </a:r>
+            <a:endParaRPr kumimoji="1" lang="en-US" altLang="ja-JP" b="1" dirty="0"/>
+          </a:p>
+          <a:p>
+            <a:r>
+              <a:rPr kumimoji="1" lang="ja-JP" altLang="en-US" b="1" dirty="0"/>
+              <a:t>基準在庫日数は実績ベースで修正されている</a:t>
+            </a:r>
+            <a:r>
+              <a:rPr lang="ja-JP" altLang="en-US" b="1" dirty="0"/>
+              <a:t>が、</a:t>
+            </a:r>
+            <a:endParaRPr lang="en-US" altLang="ja-JP" b="1" dirty="0"/>
+          </a:p>
+          <a:p>
+            <a:r>
+              <a:rPr kumimoji="1" lang="ja-JP" altLang="en-US" b="1" dirty="0"/>
+              <a:t>滞留が存在する</a:t>
+            </a:r>
+            <a:endParaRPr kumimoji="1" lang="en-US" altLang="ja-JP" b="1" dirty="0"/>
+          </a:p>
+          <a:p>
+            <a:endParaRPr kumimoji="1" lang="en-US" altLang="ja-JP" b="1" dirty="0"/>
+          </a:p>
+          <a:p>
+            <a:r>
+              <a:rPr lang="ja-JP" altLang="en-US" b="1" dirty="0"/>
+              <a:t>　　　　　なぜ？仮説</a:t>
+            </a:r>
+            <a:endParaRPr lang="en-US" altLang="ja-JP" b="1" dirty="0"/>
+          </a:p>
+          <a:p>
+            <a:endParaRPr kumimoji="1" lang="en-US" altLang="ja-JP" b="1" dirty="0"/>
+          </a:p>
+          <a:p>
+            <a:r>
+              <a:rPr lang="ja-JP" altLang="en-US" b="1" dirty="0"/>
+              <a:t>今の基準は、モノの入りの変動が考慮されていない</a:t>
+            </a:r>
+            <a:endParaRPr lang="en-US" altLang="ja-JP" b="1" dirty="0"/>
+          </a:p>
+          <a:p>
+            <a:r>
+              <a:rPr lang="ja-JP" altLang="en-US" b="1" dirty="0"/>
+              <a:t>（多い時と少ない時がある）</a:t>
+            </a:r>
+            <a:endParaRPr lang="en-US" altLang="ja-JP" b="1" dirty="0"/>
+          </a:p>
+          <a:p>
+            <a:r>
+              <a:rPr kumimoji="1" lang="ja-JP" altLang="en-US" b="1" dirty="0"/>
+              <a:t>（出ていく方は一応日量数で考慮している？）</a:t>
+            </a:r>
+            <a:endParaRPr kumimoji="1" lang="en-US" altLang="ja-JP" b="1" dirty="0"/>
+          </a:p>
+          <a:p>
+            <a:endParaRPr lang="en-US" altLang="ja-JP" b="1" dirty="0"/>
+          </a:p>
+          <a:p>
+            <a:r>
+              <a:rPr kumimoji="1" lang="ja-JP" altLang="en-US" b="1" dirty="0"/>
+              <a:t>　　　　　今データであるのは</a:t>
+            </a:r>
+            <a:endParaRPr kumimoji="1" lang="en-US" altLang="ja-JP" b="1" dirty="0"/>
+          </a:p>
+          <a:p>
+            <a:endParaRPr lang="en-US" altLang="ja-JP" b="1" dirty="0"/>
+          </a:p>
+          <a:p>
+            <a:endParaRPr kumimoji="1" lang="en-US" altLang="ja-JP" b="1" dirty="0"/>
+          </a:p>
+          <a:p>
+            <a:r>
+              <a:rPr lang="ja-JP" altLang="en-US" b="1" dirty="0"/>
+              <a:t>ここと実績</a:t>
+            </a:r>
+            <a:r>
+              <a:rPr lang="en-US" altLang="ja-JP" b="1" dirty="0"/>
+              <a:t>LT</a:t>
+            </a:r>
+            <a:r>
+              <a:rPr lang="ja-JP" altLang="en-US" b="1" dirty="0"/>
+              <a:t>の関係を検証</a:t>
+            </a:r>
+            <a:endParaRPr kumimoji="1" lang="en-US" altLang="ja-JP" b="1" dirty="0"/>
+          </a:p>
+          <a:p>
+            <a:r>
+              <a:rPr kumimoji="1" lang="ja-JP" altLang="en-US" b="1" dirty="0"/>
+              <a:t>・１便当たりの箱の数（荷量）</a:t>
+            </a:r>
+            <a:endParaRPr kumimoji="1" lang="en-US" altLang="ja-JP" b="1" dirty="0"/>
+          </a:p>
+          <a:p>
+            <a:r>
+              <a:rPr lang="ja-JP" altLang="en-US" b="1" dirty="0"/>
+              <a:t>・不等ピッチ（荷量にばらつきがある）</a:t>
+            </a:r>
+            <a:endParaRPr kumimoji="1" lang="en-US" altLang="ja-JP" b="1" dirty="0"/>
+          </a:p>
+          <a:p>
+            <a:r>
+              <a:rPr lang="ja-JP" altLang="en-US" b="1" dirty="0"/>
+              <a:t>（・トラックの到着時刻のばらつき）</a:t>
+            </a:r>
+            <a:endParaRPr kumimoji="1" lang="en-US" altLang="ja-JP" b="1" dirty="0"/>
+          </a:p>
+          <a:p>
+            <a:endParaRPr lang="en-US" altLang="ja-JP" b="1" dirty="0"/>
+          </a:p>
+          <a:p>
+            <a:endParaRPr lang="en-US" altLang="ja-JP" b="1" dirty="0"/>
+          </a:p>
+          <a:p>
+            <a:endParaRPr lang="en-US" altLang="ja-JP" b="1" dirty="0"/>
+          </a:p>
+          <a:p>
+            <a:endParaRPr lang="en-US" altLang="ja-JP" b="1" dirty="0"/>
+          </a:p>
+          <a:p>
+            <a:r>
+              <a:rPr lang="ja-JP" altLang="en-US" b="1" dirty="0"/>
+              <a:t>こういうのが基準作りに必要です</a:t>
+            </a:r>
+            <a:endParaRPr lang="en-US" altLang="ja-JP" b="1" dirty="0"/>
+          </a:p>
+          <a:p>
+            <a:endParaRPr lang="en-US" altLang="ja-JP" b="1" dirty="0"/>
+          </a:p>
+          <a:p>
+            <a:endParaRPr lang="en-US" altLang="ja-JP" b="1" dirty="0"/>
+          </a:p>
+        </p:txBody>
+      </p:sp>
+      <p:sp>
+        <p:nvSpPr>
+          <p:cNvPr id="6" name="矢印: 下 5">
+            <a:extLst>
+              <a:ext uri="{FF2B5EF4-FFF2-40B4-BE49-F238E27FC236}">
+                <a16:creationId xmlns:a16="http://schemas.microsoft.com/office/drawing/2014/main" id="{0F7DC11D-1D31-4085-9317-12C2212B0D4C}"/>
+              </a:ext>
+            </a:extLst>
+          </p:cNvPr>
+          <p:cNvSpPr/>
+          <p:nvPr/>
+        </p:nvSpPr>
+        <p:spPr>
+          <a:xfrm>
+            <a:off x="6416548" y="1506117"/>
+            <a:ext cx="484632" cy="565976"/>
+          </a:xfrm>
+          <a:prstGeom prst="downArrow">
+            <a:avLst/>
+          </a:prstGeom>
+        </p:spPr>
+        <p:style>
+          <a:lnRef idx="2">
+            <a:schemeClr val="accent1">
+              <a:shade val="50000"/>
+            </a:schemeClr>
+          </a:lnRef>
+          <a:fillRef idx="1">
+            <a:schemeClr val="accent1"/>
+          </a:fillRef>
+          <a:effectRef idx="0">
+            <a:schemeClr val="accent1"/>
+          </a:effectRef>
+          <a:fontRef idx="minor">
+            <a:schemeClr val="lt1"/>
+          </a:fontRef>
+        </p:style>
+        <p:txBody>
+          <a:bodyPr rtlCol="0" anchor="ctr"/>
+          <a:lstStyle/>
+          <a:p>
+            <a:pPr algn="ctr"/>
+            <a:endParaRPr kumimoji="1" lang="ja-JP" altLang="en-US"/>
+          </a:p>
+        </p:txBody>
+      </p:sp>
+      <p:sp>
+        <p:nvSpPr>
+          <p:cNvPr id="7" name="矢印: 下 6">
+            <a:extLst>
+              <a:ext uri="{FF2B5EF4-FFF2-40B4-BE49-F238E27FC236}">
+                <a16:creationId xmlns:a16="http://schemas.microsoft.com/office/drawing/2014/main" id="{5E96B406-9F64-4D9A-8F91-F6EAA4A0EAFB}"/>
+              </a:ext>
+            </a:extLst>
+          </p:cNvPr>
+          <p:cNvSpPr/>
+          <p:nvPr/>
+        </p:nvSpPr>
+        <p:spPr>
+          <a:xfrm>
+            <a:off x="6416548" y="3319765"/>
+            <a:ext cx="484632" cy="565976"/>
+          </a:xfrm>
+          <a:prstGeom prst="downArrow">
+            <a:avLst/>
+          </a:prstGeom>
+        </p:spPr>
+        <p:style>
+          <a:lnRef idx="2">
+            <a:schemeClr val="accent1">
+              <a:shade val="50000"/>
+            </a:schemeClr>
+          </a:lnRef>
+          <a:fillRef idx="1">
+            <a:schemeClr val="accent1"/>
+          </a:fillRef>
+          <a:effectRef idx="0">
+            <a:schemeClr val="accent1"/>
+          </a:effectRef>
+          <a:fontRef idx="minor">
+            <a:schemeClr val="lt1"/>
+          </a:fontRef>
+        </p:style>
+        <p:txBody>
+          <a:bodyPr rtlCol="0" anchor="ctr"/>
+          <a:lstStyle/>
+          <a:p>
+            <a:pPr algn="ctr"/>
+            <a:endParaRPr kumimoji="1" lang="ja-JP" altLang="en-US"/>
+          </a:p>
+        </p:txBody>
+      </p:sp>
+      <p:sp>
+        <p:nvSpPr>
+          <p:cNvPr id="8" name="矢印: 下 7">
+            <a:extLst>
+              <a:ext uri="{FF2B5EF4-FFF2-40B4-BE49-F238E27FC236}">
+                <a16:creationId xmlns:a16="http://schemas.microsoft.com/office/drawing/2014/main" id="{C902C367-551D-403A-8E41-C433766D2583}"/>
+              </a:ext>
+            </a:extLst>
+          </p:cNvPr>
+          <p:cNvSpPr/>
+          <p:nvPr/>
+        </p:nvSpPr>
+        <p:spPr>
+          <a:xfrm>
+            <a:off x="6416548" y="5489369"/>
+            <a:ext cx="484632" cy="565976"/>
+          </a:xfrm>
+          <a:prstGeom prst="downArrow">
+            <a:avLst/>
+          </a:prstGeom>
+        </p:spPr>
+        <p:style>
+          <a:lnRef idx="2">
+            <a:schemeClr val="accent1">
+              <a:shade val="50000"/>
+            </a:schemeClr>
+          </a:lnRef>
+          <a:fillRef idx="1">
+            <a:schemeClr val="accent1"/>
+          </a:fillRef>
+          <a:effectRef idx="0">
+            <a:schemeClr val="accent1"/>
+          </a:effectRef>
+          <a:fontRef idx="minor">
+            <a:schemeClr val="lt1"/>
+          </a:fontRef>
+        </p:style>
+        <p:txBody>
+          <a:bodyPr rtlCol="0" anchor="ctr"/>
+          <a:lstStyle/>
+          <a:p>
+            <a:pPr algn="ctr"/>
+            <a:endParaRPr kumimoji="1" lang="ja-JP" altLang="en-US"/>
+          </a:p>
+        </p:txBody>
+      </p:sp>
+      <p:sp>
+        <p:nvSpPr>
+          <p:cNvPr id="10" name="四角形: 対角を丸める 9">
+            <a:extLst>
+              <a:ext uri="{FF2B5EF4-FFF2-40B4-BE49-F238E27FC236}">
+                <a16:creationId xmlns:a16="http://schemas.microsoft.com/office/drawing/2014/main" id="{CB7DA21C-4358-4E48-8D80-88F7B75AA6ED}"/>
+              </a:ext>
+            </a:extLst>
+          </p:cNvPr>
+          <p:cNvSpPr/>
+          <p:nvPr/>
+        </p:nvSpPr>
+        <p:spPr>
+          <a:xfrm>
+            <a:off x="9128251" y="1157693"/>
+            <a:ext cx="3063748" cy="914400"/>
+          </a:xfrm>
+          <a:prstGeom prst="round2DiagRect">
+            <a:avLst/>
+          </a:prstGeom>
+        </p:spPr>
+        <p:style>
+          <a:lnRef idx="2">
+            <a:schemeClr val="accent1">
+              <a:shade val="50000"/>
+            </a:schemeClr>
+          </a:lnRef>
+          <a:fillRef idx="1">
+            <a:schemeClr val="accent1"/>
+          </a:fillRef>
+          <a:effectRef idx="0">
+            <a:schemeClr val="accent1"/>
+          </a:effectRef>
+          <a:fontRef idx="minor">
+            <a:schemeClr val="lt1"/>
+          </a:fontRef>
+        </p:style>
+        <p:txBody>
+          <a:bodyPr rtlCol="0" anchor="ctr"/>
+          <a:lstStyle/>
+          <a:p>
+            <a:pPr algn="ctr"/>
+            <a:r>
               <a:rPr kumimoji="1" lang="ja-JP" altLang="en-US" dirty="0"/>
-              <a:t>順立装置を展開したいに一致しているか</a:t>
+              <a:t>今の基準の何が問題か</a:t>
             </a:r>
             <a:endParaRPr kumimoji="1" lang="en-US" altLang="ja-JP" dirty="0"/>
           </a:p>
           <a:p>
-            <a:endParaRPr lang="en-US" altLang="ja-JP" dirty="0"/>
-          </a:p>
-          <a:p>
-            <a:r>
-              <a:rPr kumimoji="1" lang="ja-JP" altLang="en-US" dirty="0"/>
-              <a:t>➀在庫の過多が見えているので、在庫の過多を無くしたい。</a:t>
-            </a:r>
-            <a:endParaRPr kumimoji="1" lang="en-US" altLang="ja-JP" dirty="0"/>
-          </a:p>
-          <a:p>
+            <a:pPr algn="ctr"/>
             <a:r>
               <a:rPr lang="ja-JP" altLang="en-US" dirty="0"/>
-              <a:t>➁在庫の過多の中でも</a:t>
-            </a:r>
-            <a:r>
-              <a:rPr kumimoji="1" lang="ja-JP" altLang="en-US" dirty="0"/>
-              <a:t>数字上過多に見ている過多がある</a:t>
-            </a:r>
-            <a:endParaRPr kumimoji="1" lang="en-US" altLang="ja-JP" dirty="0"/>
-          </a:p>
-          <a:p>
-            <a:r>
-              <a:rPr lang="ja-JP" altLang="en-US" dirty="0"/>
-              <a:t>　</a:t>
-            </a:r>
-            <a:r>
-              <a:rPr lang="en-US" altLang="ja-JP" dirty="0"/>
-              <a:t>A.</a:t>
-            </a:r>
-            <a:r>
-              <a:rPr kumimoji="1" lang="ja-JP" altLang="en-US" dirty="0"/>
-              <a:t>必要な過多は許容したい</a:t>
-            </a:r>
-            <a:endParaRPr kumimoji="1" lang="en-US" altLang="ja-JP" dirty="0"/>
-          </a:p>
-          <a:p>
-            <a:r>
-              <a:rPr lang="ja-JP" altLang="en-US" dirty="0"/>
-              <a:t>　　変動要因が大きくて在庫を持って行かないといけないもの</a:t>
-            </a:r>
-            <a:endParaRPr lang="en-US" altLang="ja-JP" dirty="0"/>
-          </a:p>
-          <a:p>
-            <a:r>
-              <a:rPr kumimoji="1" lang="ja-JP" altLang="en-US" dirty="0"/>
-              <a:t>　　在庫の変動が激しいもの</a:t>
-            </a:r>
-            <a:endParaRPr kumimoji="1" lang="en-US" altLang="ja-JP" dirty="0"/>
-          </a:p>
-          <a:p>
-            <a:r>
-              <a:rPr kumimoji="1" lang="ja-JP" altLang="en-US" dirty="0"/>
-              <a:t>　　ー　トラックがダイヤ通りこないことによる変動</a:t>
-            </a:r>
-            <a:endParaRPr kumimoji="1" lang="en-US" altLang="ja-JP" dirty="0"/>
-          </a:p>
-          <a:p>
-            <a:r>
-              <a:rPr lang="ja-JP" altLang="en-US" dirty="0"/>
-              <a:t>　　　　</a:t>
-            </a:r>
-            <a:endParaRPr kumimoji="1" lang="en-US" altLang="ja-JP" dirty="0"/>
-          </a:p>
-          <a:p>
-            <a:r>
-              <a:rPr lang="ja-JP" altLang="en-US" dirty="0"/>
-              <a:t>　</a:t>
-            </a:r>
-            <a:r>
-              <a:rPr lang="en-US" altLang="ja-JP" dirty="0"/>
-              <a:t>B.</a:t>
-            </a:r>
-            <a:r>
-              <a:rPr lang="ja-JP" altLang="en-US" dirty="0"/>
-              <a:t>必要なじゃない過多は是正したい</a:t>
-            </a:r>
-            <a:endParaRPr kumimoji="1" lang="en-US" altLang="ja-JP" dirty="0"/>
-          </a:p>
-          <a:p>
-            <a:r>
-              <a:rPr lang="ja-JP" altLang="en-US" dirty="0"/>
-              <a:t>③どっちもやるために在庫の過多の要因を調べる</a:t>
-            </a:r>
-            <a:endParaRPr lang="en-US" altLang="ja-JP" dirty="0"/>
-          </a:p>
-          <a:p>
-            <a:r>
-              <a:rPr lang="ja-JP" altLang="en-US" dirty="0"/>
-              <a:t>　ベイジアンネットワークでヒント（</a:t>
-            </a:r>
-            <a:r>
-              <a:rPr lang="en-US" altLang="ja-JP" dirty="0"/>
-              <a:t>A</a:t>
-            </a:r>
-            <a:r>
-              <a:rPr lang="ja-JP" altLang="en-US" dirty="0"/>
-              <a:t>や</a:t>
-            </a:r>
-            <a:r>
-              <a:rPr lang="en-US" altLang="ja-JP" dirty="0"/>
-              <a:t>B</a:t>
-            </a:r>
-            <a:r>
-              <a:rPr lang="ja-JP" altLang="en-US" dirty="0"/>
-              <a:t>に紐づくような、基準づくり）</a:t>
-            </a:r>
-            <a:endParaRPr lang="en-US" altLang="ja-JP" dirty="0"/>
-          </a:p>
-          <a:p>
-            <a:r>
-              <a:rPr lang="ja-JP" altLang="en-US" dirty="0"/>
-              <a:t>　を得る</a:t>
-            </a:r>
-            <a:endParaRPr lang="en-US" altLang="ja-JP" dirty="0"/>
-          </a:p>
-          <a:p>
-            <a:r>
-              <a:rPr lang="ja-JP" altLang="en-US" dirty="0"/>
-              <a:t>　ネットワークとは別で欠品リスクを定義し、</a:t>
-            </a:r>
-            <a:endParaRPr lang="en-US" altLang="ja-JP" dirty="0"/>
-          </a:p>
-          <a:p>
-            <a:r>
-              <a:rPr lang="ja-JP" altLang="en-US" dirty="0"/>
-              <a:t>　在庫過多の品番を把握する</a:t>
-            </a:r>
-            <a:endParaRPr lang="en-US" altLang="ja-JP" dirty="0"/>
-          </a:p>
-          <a:p>
-            <a:r>
-              <a:rPr lang="ja-JP" altLang="en-US" dirty="0"/>
-              <a:t>　</a:t>
-            </a:r>
-            <a:r>
-              <a:rPr lang="en-US" altLang="ja-JP" dirty="0"/>
-              <a:t>A.</a:t>
-            </a:r>
-            <a:r>
-              <a:rPr kumimoji="1" lang="ja-JP" altLang="en-US" dirty="0"/>
-              <a:t>過多を許容するために基準を変えたい</a:t>
-            </a:r>
-            <a:endParaRPr kumimoji="1" lang="en-US" altLang="ja-JP" dirty="0"/>
-          </a:p>
-          <a:p>
-            <a:r>
-              <a:rPr lang="ja-JP" altLang="en-US" dirty="0"/>
-              <a:t>　　欠品リスクが高くて在庫過多の品番</a:t>
-            </a:r>
-            <a:endParaRPr lang="en-US" altLang="ja-JP" dirty="0"/>
-          </a:p>
-          <a:p>
-            <a:r>
-              <a:rPr kumimoji="1" lang="ja-JP" altLang="en-US" dirty="0"/>
-              <a:t>　　→　問題ない</a:t>
-            </a:r>
-            <a:endParaRPr kumimoji="1" lang="en-US" altLang="ja-JP" dirty="0"/>
-          </a:p>
-          <a:p>
-            <a:r>
-              <a:rPr lang="en-US" altLang="ja-JP" dirty="0"/>
-              <a:t>    B.</a:t>
-            </a:r>
-            <a:r>
-              <a:rPr lang="ja-JP" altLang="en-US" dirty="0"/>
-              <a:t>理由を明確にして手立てを考えたい</a:t>
-            </a:r>
-            <a:endParaRPr lang="en-US" altLang="ja-JP" dirty="0"/>
-          </a:p>
-          <a:p>
-            <a:r>
-              <a:rPr lang="ja-JP" altLang="en-US" dirty="0"/>
-              <a:t>　　欠品リスクが低くいて在庫過多の品番</a:t>
-            </a:r>
-            <a:endParaRPr lang="en-US" altLang="ja-JP" dirty="0"/>
-          </a:p>
-          <a:p>
-            <a:r>
-              <a:rPr lang="ja-JP" altLang="en-US" dirty="0"/>
-              <a:t>　　→　是正していく</a:t>
-            </a:r>
-            <a:endParaRPr lang="en-US" altLang="ja-JP" dirty="0"/>
-          </a:p>
-          <a:p>
-            <a:r>
-              <a:rPr kumimoji="1" lang="ja-JP" altLang="en-US" dirty="0"/>
-              <a:t>➃</a:t>
-            </a:r>
-            <a:endParaRPr kumimoji="1" lang="en-US" altLang="ja-JP" dirty="0"/>
-          </a:p>
-          <a:p>
-            <a:r>
-              <a:rPr lang="ja-JP" altLang="en-US" dirty="0"/>
-              <a:t>　</a:t>
-            </a:r>
-            <a:r>
-              <a:rPr kumimoji="1" lang="en-US" altLang="ja-JP" dirty="0"/>
-              <a:t>A.</a:t>
-            </a:r>
-            <a:r>
-              <a:rPr lang="ja-JP" altLang="en-US" dirty="0"/>
-              <a:t>在庫過多の基準を変えたほうがいい</a:t>
-            </a:r>
-            <a:endParaRPr lang="en-US" altLang="ja-JP" dirty="0"/>
-          </a:p>
-          <a:p>
-            <a:r>
-              <a:rPr lang="ja-JP" altLang="en-US" dirty="0"/>
-              <a:t>　（基準在庫日数＋○など）</a:t>
-            </a:r>
-            <a:endParaRPr kumimoji="1" lang="en-US" altLang="ja-JP" dirty="0"/>
-          </a:p>
-          <a:p>
-            <a:r>
-              <a:rPr kumimoji="1" lang="en-US" altLang="ja-JP" dirty="0"/>
-              <a:t>    B.</a:t>
-            </a:r>
-            <a:r>
-              <a:rPr kumimoji="1" lang="ja-JP" altLang="en-US" dirty="0"/>
-              <a:t>かんばん計算の基準を変える</a:t>
-            </a:r>
-            <a:endParaRPr kumimoji="1" lang="en-US" altLang="ja-JP" dirty="0"/>
-          </a:p>
-          <a:p>
-            <a:endParaRPr lang="en-US" altLang="ja-JP" dirty="0"/>
-          </a:p>
-          <a:p>
-            <a:r>
-              <a:rPr kumimoji="1" lang="ja-JP" altLang="en-US" dirty="0"/>
-              <a:t>⑤：➃で展開する下準備ができる（これが正しい姿</a:t>
-            </a:r>
-          </a:p>
-        </p:txBody>
-      </p:sp>
+              <a:t>今の基準だと変わってるように見えない</a:t>
+            </a:r>
+            <a:endParaRPr kumimoji="1" lang="ja-JP" altLang="en-US" dirty="0"/>
+          </a:p>
+        </p:txBody>
+      </p:sp>
+      <p:pic>
+        <p:nvPicPr>
+          <p:cNvPr id="11" name="図 10">
+            <a:extLst>
+              <a:ext uri="{FF2B5EF4-FFF2-40B4-BE49-F238E27FC236}">
+                <a16:creationId xmlns:a16="http://schemas.microsoft.com/office/drawing/2014/main" id="{CCEB700A-FD74-4B4D-9847-6DCBF3EDD9D0}"/>
+              </a:ext>
+            </a:extLst>
+          </p:cNvPr>
+          <p:cNvPicPr>
+            <a:picLocks noChangeAspect="1"/>
+          </p:cNvPicPr>
+          <p:nvPr/>
+        </p:nvPicPr>
+        <p:blipFill>
+          <a:blip r:embed="rId2"/>
+          <a:stretch>
+            <a:fillRect/>
+          </a:stretch>
+        </p:blipFill>
+        <p:spPr>
+          <a:xfrm>
+            <a:off x="6065519" y="5304305"/>
+            <a:ext cx="7926681" cy="936104"/>
+          </a:xfrm>
+          <a:prstGeom prst="rect">
+            <a:avLst/>
+          </a:prstGeom>
+          <a:solidFill>
+            <a:schemeClr val="bg1"/>
+          </a:solidFill>
+          <a:ln>
+            <a:noFill/>
+          </a:ln>
+        </p:spPr>
+      </p:pic>
     </p:spTree>
     <p:extLst>
       <p:ext uri="{BB962C8B-B14F-4D97-AF65-F5344CB8AC3E}">

--- a/hanamoto/test２.pptx
+++ b/hanamoto/test２.pptx
@@ -7,9 +7,10 @@
   <p:sldIdLst>
     <p:sldId id="256" r:id="rId2"/>
     <p:sldId id="260" r:id="rId3"/>
-    <p:sldId id="257" r:id="rId4"/>
-    <p:sldId id="259" r:id="rId5"/>
-    <p:sldId id="258" r:id="rId6"/>
+    <p:sldId id="261" r:id="rId4"/>
+    <p:sldId id="257" r:id="rId5"/>
+    <p:sldId id="259" r:id="rId6"/>
+    <p:sldId id="258" r:id="rId7"/>
   </p:sldIdLst>
   <p:sldSz cx="12192000" cy="6858000"/>
   <p:notesSz cx="6858000" cy="9144000"/>
@@ -5359,74 +5360,10 @@
       </p:grpSpPr>
       <p:sp>
         <p:nvSpPr>
-          <p:cNvPr id="2" name="タイトル 1">
-            <a:extLst>
-              <a:ext uri="{FF2B5EF4-FFF2-40B4-BE49-F238E27FC236}">
-                <a16:creationId xmlns:a16="http://schemas.microsoft.com/office/drawing/2014/main" id="{D399DF35-6F23-4264-9EB2-5974A43B4B68}"/>
-              </a:ext>
-            </a:extLst>
-          </p:cNvPr>
-          <p:cNvSpPr>
-            <a:spLocks noGrp="1"/>
-          </p:cNvSpPr>
-          <p:nvPr>
-            <p:ph type="title"/>
-          </p:nvPr>
-        </p:nvSpPr>
-        <p:spPr/>
-        <p:txBody>
-          <a:bodyPr/>
-          <a:lstStyle/>
-          <a:p>
-            <a:endParaRPr kumimoji="1" lang="ja-JP" altLang="en-US"/>
-          </a:p>
-        </p:txBody>
-      </p:sp>
-      <p:sp>
-        <p:nvSpPr>
-          <p:cNvPr id="3" name="コンテンツ プレースホルダー 2">
-            <a:extLst>
-              <a:ext uri="{FF2B5EF4-FFF2-40B4-BE49-F238E27FC236}">
-                <a16:creationId xmlns:a16="http://schemas.microsoft.com/office/drawing/2014/main" id="{0683A0F9-E08D-469B-9C91-BC6D4F480096}"/>
-              </a:ext>
-            </a:extLst>
-          </p:cNvPr>
-          <p:cNvSpPr>
-            <a:spLocks noGrp="1"/>
-          </p:cNvSpPr>
-          <p:nvPr>
-            <p:ph idx="1"/>
-          </p:nvPr>
-        </p:nvSpPr>
-        <p:spPr/>
-        <p:txBody>
-          <a:bodyPr/>
-          <a:lstStyle/>
-          <a:p>
-            <a:r>
-              <a:rPr kumimoji="1" lang="ja-JP" altLang="en-US" dirty="0"/>
-              <a:t>在庫過多とは？</a:t>
-            </a:r>
-            <a:endParaRPr kumimoji="1" lang="en-US" altLang="ja-JP" dirty="0"/>
-          </a:p>
-          <a:p>
-            <a:r>
-              <a:rPr kumimoji="1" lang="ja-JP" altLang="en-US" dirty="0"/>
-              <a:t>意図を持って外す</a:t>
-            </a:r>
-            <a:endParaRPr kumimoji="1" lang="en-US" altLang="ja-JP" dirty="0"/>
-          </a:p>
-          <a:p>
-            <a:endParaRPr kumimoji="1" lang="ja-JP" altLang="en-US" dirty="0"/>
-          </a:p>
-        </p:txBody>
-      </p:sp>
-      <p:sp>
-        <p:nvSpPr>
-          <p:cNvPr id="5" name="テキスト ボックス 4">
-            <a:extLst>
-              <a:ext uri="{FF2B5EF4-FFF2-40B4-BE49-F238E27FC236}">
-                <a16:creationId xmlns:a16="http://schemas.microsoft.com/office/drawing/2014/main" id="{F1F209D4-6C8F-40A6-BEC2-7E1761C04B0C}"/>
+          <p:cNvPr id="3" name="テキスト ボックス 2">
+            <a:extLst>
+              <a:ext uri="{FF2B5EF4-FFF2-40B4-BE49-F238E27FC236}">
+                <a16:creationId xmlns:a16="http://schemas.microsoft.com/office/drawing/2014/main" id="{B49AD877-C19B-4FB6-84C5-5B1256B6D71B}"/>
               </a:ext>
             </a:extLst>
           </p:cNvPr>
@@ -5435,8 +5372,8 @@
         </p:nvSpPr>
         <p:spPr>
           <a:xfrm>
-            <a:off x="3048000" y="751344"/>
-            <a:ext cx="6096000" cy="5355312"/>
+            <a:off x="3048000" y="197346"/>
+            <a:ext cx="6096000" cy="6463308"/>
           </a:xfrm>
           <a:prstGeom prst="rect">
             <a:avLst/>
@@ -5450,8 +5387,20 @@
           <a:lstStyle/>
           <a:p>
             <a:r>
+              <a:rPr lang="ja-JP" altLang="en-US"/>
+              <a:t>時間</a:t>
+            </a:r>
+          </a:p>
+          <a:p>
+            <a:r>
               <a:rPr lang="ja-JP" altLang="en-US" dirty="0"/>
-              <a:t>一部分の解決であって、</a:t>
+              <a:t>曜日</a:t>
+            </a:r>
+          </a:p>
+          <a:p>
+            <a:r>
+              <a:rPr lang="ja-JP" altLang="en-US" dirty="0"/>
+              <a:t>平均日量数→日量数</a:t>
             </a:r>
           </a:p>
           <a:p>
@@ -5463,85 +5412,111 @@
           <a:p>
             <a:r>
               <a:rPr lang="ja-JP" altLang="en-US" dirty="0"/>
-              <a:t>各</a:t>
+              <a:t>検収出庫</a:t>
             </a:r>
             <a:r>
               <a:rPr lang="en-US" altLang="ja-JP" dirty="0"/>
               <a:t>LT</a:t>
             </a:r>
+          </a:p>
+          <a:p>
             <a:r>
               <a:rPr lang="ja-JP" altLang="en-US" dirty="0"/>
-              <a:t>がへる、社内のかんばんまいすうへる</a:t>
+              <a:t>・</a:t>
+            </a:r>
+          </a:p>
+          <a:p>
+            <a:r>
+              <a:rPr lang="ja-JP" altLang="en-US" dirty="0"/>
+              <a:t>入庫出庫</a:t>
+            </a:r>
+            <a:r>
+              <a:rPr lang="en-US" altLang="ja-JP" dirty="0"/>
+              <a:t>LT</a:t>
+            </a:r>
+          </a:p>
+          <a:p>
+            <a:r>
+              <a:rPr lang="ja-JP" altLang="en-US" dirty="0"/>
+              <a:t>・早く出せるものから出す</a:t>
+            </a:r>
+          </a:p>
+          <a:p>
+            <a:r>
+              <a:rPr lang="ja-JP" altLang="en-US" dirty="0"/>
+              <a:t>・日量数</a:t>
+            </a:r>
+          </a:p>
+          <a:p>
+            <a:r>
+              <a:rPr lang="ja-JP" altLang="en-US" dirty="0"/>
+              <a:t>・収容数</a:t>
+            </a:r>
+          </a:p>
+          <a:p>
+            <a:r>
+              <a:rPr lang="ja-JP" altLang="en-US" dirty="0"/>
+              <a:t>出庫回収</a:t>
+            </a:r>
+            <a:r>
+              <a:rPr lang="en-US" altLang="ja-JP" dirty="0"/>
+              <a:t>LT</a:t>
+            </a:r>
+          </a:p>
+          <a:p>
+            <a:r>
+              <a:rPr lang="ja-JP" altLang="en-US" dirty="0"/>
+              <a:t>・工程毎に使われ方が違う</a:t>
             </a:r>
           </a:p>
           <a:p>
             <a:endParaRPr lang="ja-JP" altLang="en-US" dirty="0"/>
           </a:p>
           <a:p>
+            <a:endParaRPr lang="ja-JP" altLang="en-US" dirty="0"/>
+          </a:p>
+          <a:p>
             <a:r>
               <a:rPr lang="ja-JP" altLang="en-US" dirty="0"/>
-              <a:t>このデータがこういうデータなんでこういう前提でやります</a:t>
-            </a:r>
+              <a:t>基準在庫日数</a:t>
+            </a:r>
+          </a:p>
+          <a:p>
+            <a:endParaRPr lang="ja-JP" altLang="en-US" dirty="0"/>
+          </a:p>
+          <a:p>
+            <a:endParaRPr lang="ja-JP" altLang="en-US" dirty="0"/>
           </a:p>
           <a:p>
             <a:r>
               <a:rPr lang="ja-JP" altLang="en-US" dirty="0"/>
-              <a:t>こういうことできるかもしれないです</a:t>
-            </a:r>
-          </a:p>
-          <a:p>
+              <a:t>・社内</a:t>
+            </a:r>
+            <a:r>
+              <a:rPr lang="en-US" altLang="ja-JP" dirty="0"/>
+              <a:t>LT→</a:t>
+            </a:r>
             <a:r>
               <a:rPr lang="ja-JP" altLang="en-US" dirty="0"/>
-              <a:t>明示した上で次どこやっていきましょう。提案</a:t>
-            </a:r>
-          </a:p>
-          <a:p>
-            <a:endParaRPr lang="ja-JP" altLang="en-US" dirty="0"/>
-          </a:p>
-          <a:p>
-            <a:endParaRPr lang="ja-JP" altLang="en-US" dirty="0"/>
+              <a:t>各工程で分ける（検収～入庫、入庫～出庫、出庫～回収）</a:t>
+            </a:r>
           </a:p>
           <a:p>
             <a:r>
               <a:rPr lang="ja-JP" altLang="en-US" dirty="0"/>
-              <a:t>そこが多くなる理由として、</a:t>
+              <a:t>・各工程の在庫ラベルの積み上げ棒グラフ</a:t>
             </a:r>
           </a:p>
           <a:p>
             <a:r>
               <a:rPr lang="ja-JP" altLang="en-US" dirty="0"/>
-              <a:t>各プロセスが異常</a:t>
-            </a:r>
-          </a:p>
-          <a:p>
-            <a:endParaRPr lang="ja-JP" altLang="en-US" dirty="0"/>
+              <a:t>・正常を消す（異常３以上）→全体的なビューイング</a:t>
+            </a:r>
           </a:p>
           <a:p>
             <a:r>
               <a:rPr lang="ja-JP" altLang="en-US" dirty="0"/>
-              <a:t>在庫過多を仮定した場合の分析</a:t>
-            </a:r>
-          </a:p>
-          <a:p>
-            <a:endParaRPr lang="ja-JP" altLang="en-US" dirty="0"/>
-          </a:p>
-          <a:p>
-            <a:r>
-              <a:rPr lang="ja-JP" altLang="en-US" dirty="0"/>
-              <a:t>在庫過多＝滞留日数</a:t>
-            </a:r>
-          </a:p>
-          <a:p>
-            <a:endParaRPr lang="ja-JP" altLang="en-US" dirty="0"/>
-          </a:p>
-          <a:p>
-            <a:r>
-              <a:rPr lang="ja-JP" altLang="en-US" dirty="0"/>
-              <a:t>社内で下回ているものは</a:t>
-            </a:r>
-            <a:r>
-              <a:rPr lang="en-US" altLang="ja-JP" dirty="0"/>
-              <a:t>OK</a:t>
+              <a:t>　・</a:t>
             </a:r>
           </a:p>
         </p:txBody>
@@ -5549,7 +5524,7 @@
     </p:spTree>
     <p:extLst>
       <p:ext uri="{BB962C8B-B14F-4D97-AF65-F5344CB8AC3E}">
-        <p14:creationId xmlns:p14="http://schemas.microsoft.com/office/powerpoint/2010/main" val="1875517078"/>
+        <p14:creationId xmlns:p14="http://schemas.microsoft.com/office/powerpoint/2010/main" val="193548173"/>
       </p:ext>
     </p:extLst>
   </p:cSld>
@@ -5578,6 +5553,225 @@
       </p:grpSpPr>
       <p:sp>
         <p:nvSpPr>
+          <p:cNvPr id="2" name="タイトル 1">
+            <a:extLst>
+              <a:ext uri="{FF2B5EF4-FFF2-40B4-BE49-F238E27FC236}">
+                <a16:creationId xmlns:a16="http://schemas.microsoft.com/office/drawing/2014/main" id="{D399DF35-6F23-4264-9EB2-5974A43B4B68}"/>
+              </a:ext>
+            </a:extLst>
+          </p:cNvPr>
+          <p:cNvSpPr>
+            <a:spLocks noGrp="1"/>
+          </p:cNvSpPr>
+          <p:nvPr>
+            <p:ph type="title"/>
+          </p:nvPr>
+        </p:nvSpPr>
+        <p:spPr/>
+        <p:txBody>
+          <a:bodyPr/>
+          <a:lstStyle/>
+          <a:p>
+            <a:endParaRPr kumimoji="1" lang="ja-JP" altLang="en-US"/>
+          </a:p>
+        </p:txBody>
+      </p:sp>
+      <p:sp>
+        <p:nvSpPr>
+          <p:cNvPr id="3" name="コンテンツ プレースホルダー 2">
+            <a:extLst>
+              <a:ext uri="{FF2B5EF4-FFF2-40B4-BE49-F238E27FC236}">
+                <a16:creationId xmlns:a16="http://schemas.microsoft.com/office/drawing/2014/main" id="{0683A0F9-E08D-469B-9C91-BC6D4F480096}"/>
+              </a:ext>
+            </a:extLst>
+          </p:cNvPr>
+          <p:cNvSpPr>
+            <a:spLocks noGrp="1"/>
+          </p:cNvSpPr>
+          <p:nvPr>
+            <p:ph idx="1"/>
+          </p:nvPr>
+        </p:nvSpPr>
+        <p:spPr/>
+        <p:txBody>
+          <a:bodyPr/>
+          <a:lstStyle/>
+          <a:p>
+            <a:r>
+              <a:rPr kumimoji="1" lang="ja-JP" altLang="en-US" dirty="0"/>
+              <a:t>在庫過多とは？</a:t>
+            </a:r>
+            <a:endParaRPr kumimoji="1" lang="en-US" altLang="ja-JP" dirty="0"/>
+          </a:p>
+          <a:p>
+            <a:r>
+              <a:rPr kumimoji="1" lang="ja-JP" altLang="en-US" dirty="0"/>
+              <a:t>意図を持って外す</a:t>
+            </a:r>
+            <a:endParaRPr kumimoji="1" lang="en-US" altLang="ja-JP" dirty="0"/>
+          </a:p>
+          <a:p>
+            <a:endParaRPr kumimoji="1" lang="ja-JP" altLang="en-US" dirty="0"/>
+          </a:p>
+        </p:txBody>
+      </p:sp>
+      <p:sp>
+        <p:nvSpPr>
+          <p:cNvPr id="5" name="テキスト ボックス 4">
+            <a:extLst>
+              <a:ext uri="{FF2B5EF4-FFF2-40B4-BE49-F238E27FC236}">
+                <a16:creationId xmlns:a16="http://schemas.microsoft.com/office/drawing/2014/main" id="{F1F209D4-6C8F-40A6-BEC2-7E1761C04B0C}"/>
+              </a:ext>
+            </a:extLst>
+          </p:cNvPr>
+          <p:cNvSpPr txBox="1"/>
+          <p:nvPr/>
+        </p:nvSpPr>
+        <p:spPr>
+          <a:xfrm>
+            <a:off x="3048000" y="751344"/>
+            <a:ext cx="6096000" cy="5355312"/>
+          </a:xfrm>
+          <a:prstGeom prst="rect">
+            <a:avLst/>
+          </a:prstGeom>
+          <a:noFill/>
+        </p:spPr>
+        <p:txBody>
+          <a:bodyPr wrap="square">
+            <a:spAutoFit/>
+          </a:bodyPr>
+          <a:lstStyle/>
+          <a:p>
+            <a:r>
+              <a:rPr lang="ja-JP" altLang="en-US" dirty="0"/>
+              <a:t>一部分の解決であって、</a:t>
+            </a:r>
+          </a:p>
+          <a:p>
+            <a:endParaRPr lang="ja-JP" altLang="en-US" dirty="0"/>
+          </a:p>
+          <a:p>
+            <a:endParaRPr lang="ja-JP" altLang="en-US" dirty="0"/>
+          </a:p>
+          <a:p>
+            <a:r>
+              <a:rPr lang="ja-JP" altLang="en-US" dirty="0"/>
+              <a:t>各</a:t>
+            </a:r>
+            <a:r>
+              <a:rPr lang="en-US" altLang="ja-JP" dirty="0"/>
+              <a:t>LT</a:t>
+            </a:r>
+            <a:r>
+              <a:rPr lang="ja-JP" altLang="en-US" dirty="0"/>
+              <a:t>がへる、社内のかんばんまいすうへる</a:t>
+            </a:r>
+          </a:p>
+          <a:p>
+            <a:endParaRPr lang="ja-JP" altLang="en-US" dirty="0"/>
+          </a:p>
+          <a:p>
+            <a:r>
+              <a:rPr lang="ja-JP" altLang="en-US" dirty="0"/>
+              <a:t>このデータがこういうデータなんでこういう前提でやります</a:t>
+            </a:r>
+          </a:p>
+          <a:p>
+            <a:r>
+              <a:rPr lang="ja-JP" altLang="en-US" dirty="0"/>
+              <a:t>こういうことできるかもしれないです</a:t>
+            </a:r>
+          </a:p>
+          <a:p>
+            <a:r>
+              <a:rPr lang="ja-JP" altLang="en-US" dirty="0"/>
+              <a:t>明示した上で次どこやっていきましょう。提案</a:t>
+            </a:r>
+          </a:p>
+          <a:p>
+            <a:endParaRPr lang="ja-JP" altLang="en-US" dirty="0"/>
+          </a:p>
+          <a:p>
+            <a:endParaRPr lang="ja-JP" altLang="en-US" dirty="0"/>
+          </a:p>
+          <a:p>
+            <a:r>
+              <a:rPr lang="ja-JP" altLang="en-US" dirty="0"/>
+              <a:t>そこが多くなる理由として、</a:t>
+            </a:r>
+          </a:p>
+          <a:p>
+            <a:r>
+              <a:rPr lang="ja-JP" altLang="en-US" dirty="0"/>
+              <a:t>各プロセスが異常</a:t>
+            </a:r>
+          </a:p>
+          <a:p>
+            <a:endParaRPr lang="ja-JP" altLang="en-US" dirty="0"/>
+          </a:p>
+          <a:p>
+            <a:r>
+              <a:rPr lang="ja-JP" altLang="en-US" dirty="0"/>
+              <a:t>在庫過多を仮定した場合の分析</a:t>
+            </a:r>
+          </a:p>
+          <a:p>
+            <a:endParaRPr lang="ja-JP" altLang="en-US" dirty="0"/>
+          </a:p>
+          <a:p>
+            <a:r>
+              <a:rPr lang="ja-JP" altLang="en-US" dirty="0"/>
+              <a:t>在庫過多＝滞留日数</a:t>
+            </a:r>
+          </a:p>
+          <a:p>
+            <a:endParaRPr lang="ja-JP" altLang="en-US" dirty="0"/>
+          </a:p>
+          <a:p>
+            <a:r>
+              <a:rPr lang="ja-JP" altLang="en-US" dirty="0"/>
+              <a:t>社内で下回ているものは</a:t>
+            </a:r>
+            <a:r>
+              <a:rPr lang="en-US" altLang="ja-JP" dirty="0"/>
+              <a:t>OK</a:t>
+            </a:r>
+          </a:p>
+        </p:txBody>
+      </p:sp>
+    </p:spTree>
+    <p:extLst>
+      <p:ext uri="{BB962C8B-B14F-4D97-AF65-F5344CB8AC3E}">
+        <p14:creationId xmlns:p14="http://schemas.microsoft.com/office/powerpoint/2010/main" val="1875517078"/>
+      </p:ext>
+    </p:extLst>
+  </p:cSld>
+  <p:clrMapOvr>
+    <a:masterClrMapping/>
+  </p:clrMapOvr>
+</p:sld>
+</file>
+
+<file path=ppt/slides/slide5.xml><?xml version="1.0" encoding="utf-8"?>
+<p:sld xmlns:a="http://schemas.openxmlformats.org/drawingml/2006/main" xmlns:r="http://schemas.openxmlformats.org/officeDocument/2006/relationships" xmlns:p="http://schemas.openxmlformats.org/presentationml/2006/main">
+  <p:cSld>
+    <p:spTree>
+      <p:nvGrpSpPr>
+        <p:cNvPr id="1" name=""/>
+        <p:cNvGrpSpPr/>
+        <p:nvPr/>
+      </p:nvGrpSpPr>
+      <p:grpSpPr>
+        <a:xfrm>
+          <a:off x="0" y="0"/>
+          <a:ext cx="0" cy="0"/>
+          <a:chOff x="0" y="0"/>
+          <a:chExt cx="0" cy="0"/>
+        </a:xfrm>
+      </p:grpSpPr>
+      <p:sp>
+        <p:nvSpPr>
           <p:cNvPr id="3" name="テキスト ボックス 2">
             <a:extLst>
               <a:ext uri="{FF2B5EF4-FFF2-40B4-BE49-F238E27FC236}">
@@ -5774,7 +5968,7 @@
 </p:sld>
 </file>
 
-<file path=ppt/slides/slide5.xml><?xml version="1.0" encoding="utf-8"?>
+<file path=ppt/slides/slide6.xml><?xml version="1.0" encoding="utf-8"?>
 <p:sld xmlns:a="http://schemas.openxmlformats.org/drawingml/2006/main" xmlns:r="http://schemas.openxmlformats.org/officeDocument/2006/relationships" xmlns:p="http://schemas.openxmlformats.org/presentationml/2006/main">
   <p:cSld>
     <p:spTree>
